--- a/day 2/SAC_Training Day 2.pptx
+++ b/day 2/SAC_Training Day 2.pptx
@@ -2883,33 +2883,52 @@
           <inkml:channelProperty channel="T" name="resolution" value="1" units="1/dev"/>
         </inkml:channelProperties>
       </inkml:inkSource>
-      <inkml:timestamp xml:id="ts0" timeString="2021-11-16T03:59:27.780"/>
+      <inkml:timestamp xml:id="ts0" timeString="2022-03-14T07:47:48.113"/>
     </inkml:context>
     <inkml:brush xml:id="br0">
-      <inkml:brushProperty name="width" value="0.05" units="cm"/>
-      <inkml:brushProperty name="height" value="0.05" units="cm"/>
-      <inkml:brushProperty name="fitToCurve" value="1"/>
+      <inkml:brushProperty name="width" value="0.05292" units="cm"/>
+      <inkml:brushProperty name="height" value="0.05292" units="cm"/>
+      <inkml:brushProperty name="color" value="#FF0000"/>
     </inkml:brush>
   </inkml:definitions>
-  <inkml:trace contextRef="#ctx0" brushRef="#br0">1503 6413 0,'0'21'31,"0"1"110,0-44-126,0 1 1,0-42-16,0 20 16,0-63-16,-21 22 15,21 63-15,-42-127 16,20 105-16,1-84 16,0 21-16,-21-21 15,21 43-15,-22-22 16,1 21-16,-22-42 15,64 64-15,-84-43 16,63 21-16,-22-42 16,1 43-16,21-1 15,-22 42-15,1-41 16,21 20-16,-21 1 16,-22-22-16,43 22 15,-43-22 1,43 21-16,0 22 15,-42-64-15,42 64 0,-1-64 16,-41-21 0,42 85-16,-43-43 15,43 22-15,-21-22 16,21 21-16,-22 43 16,43 0-16,0-21 15,-21 21-15,0-22 16,-22 1-16,43 21 15,-21 0-15,21-43 16,0 22 0,-21-43-16,0 85 15,0-42-15,21 21 16,0-1 0,-21-20-16,21 21 15,0 0 1,0 0-1,0 0-15,-43-22 32,86 43 249,-22 0-281,0 0 16,64 0-16,-1 0 15,22 43-15,21-22 16,-21 0-16,0 0 15,127 21-15,-85-42 16,21 43 0,-21-22-16,64 0 0,-64-21 15,21 85 1,-63-64-16,85 63 16,-128-62-16,64-1 15,22 0-15,-86 21 16,43-20-16,0-1 15,84 63-15,-42-63 16,-21 1-16,64 62 16,-106-62-16,63-1 15,42 63-15,-84-63 16,42 1-16,0 20 16,0 22-16,22-22 15,-22 42-15,0-62 16,43 62-16,-86-62 15,65 20-15,-1 21 16,-21-42-16,22 22 16,-65 20-16,23-41 15,-23-1-15,1 0 16,127 63-16,-127-62 16,42-1-16,85 42 15,-64-41-15,-42-22 16,-21 21-1,0-21-15,-22 0 16,1 0-16,-64 0 16,43 0-16,-43 0 15,0 0-15,22 0 16,-22 0 125,21-21-126,-21-1 1,0 1-16,0 21 15,-21-63-15,43 20 16,-22 22-16,0-63 16,43-22-1,-43 0-15,21 21 0,43-63 16,-43 21 0,64-42-16,-85 63 15,64-21-15,-43 0 16,1 42-16,20-21 15,0 0-15,-20 22 16,20-43-16,-41 63 16,-1-20-16,-21 41 15,21-41-15,21 20 16,-21 22-16,0-22 16,1-20-16,41-43 15,-42 84-15,64-84 16,-85 64-16,106-22 15,-85 22-15,0 20 16,22-20 0,-22-1-16,0 1 0,0 20 15,21-41-15,-21 63 16,1-64-16,-1 43 16,0-22-16,0 1 15,0 20-15,1 1 16,-22 21-16,42-22 15,-21 1-15,0-21 16,0-1-16,22 1 16,-22 41-1,-21-20-15,21 0 16,21 21-16,-20-22 16,-22 1-16,63 21 15,-21 0-15,-42-1 16,21 1-16,1 0 15,-22-21-15,21 21 16,0 21 0,-21-21-16,0-1 15,21 1 1,-21 0 31,21 0 15,1 0 79,41 63-110,-42 22-31,21 20 16,22 43-16,0 21 15,-22-42-15,21 21 16,22 0-16,21 64 16,-64-107-16,64 86 15,-64-86-15,43 43 16,-43-42-16,1 0 16,-1-1-16,-21-41 15,22 63-15,-1-64 16,-21 21-16,42 43 15,-41-42-15,-1 20 16,42 1-16,-20 0 16,41 42-16,-84-85 15,85 43 1,-85-64-16,42 106 0,1-106 16,-1 64-1,-21-43-15,43 43 16,-43-22-16,0-20 15,21 20-15,-20-63 16,-22 42-16,0-21 16,21 1-16,0 20 15,21-21-15,-42 22 16,21 20-16,22-21 16,-22-42-16,0 43 15,-21-22-15,0 0 16,42 21-1,-20-42-15,-22 22 16,0-1-16,63 42 16,-42-21-1,-21-20-15,21-1 16,-21 0 0,43 21 15,-22-20-31,-21-1 31,0 0-31,21 0 16,-21 0-1,42 21 1,-42-20 0,0-1-1,22-21-15,-22 21 31,0 0-31,21 0 110,21-42-110,0-42 15,22 20-15,-1 22 16,1-42-16,20 20 16,1-20-16,42 20 15,0-41-15,64-22 16,-107 85-16,22-22 16,85-20-16,-43 42 15,63 0-15,-20 0 16,0-43-16,-43 43 15,63 21 1,-62-21-16,-1-1 16,21 22-16,22-63 15,-1 42-15,-21 0 16,22-22-16,63 1 16,-106 21-16,21-22 15,22 22-15,21-21 16,20 0-16,44 21 15,-22 21-15,-22-22 16,-41 22-16,63 0 16,-43 0-16,1-63 15,-21 42-15,-22-1 16,-21-20-16,85 0 16,-64 42-16,-21-64 15,43 43-15,-43-42 16,-21 20-16,21 22 15,-42-42-15,21 42 16,-21-1-16,85-41 16,-43 20-16,-64 22 15,64-42-15,1 42 16,-22-22 0,63-20-16,-42 42 15,0-1-15,22 22 16,-86-21-16,22 21 15,-21 0-15,0-42 16,-64 42-16,0 0 16,21 0-16,-20-21 15,-1 21 126,-21 21-110,0 0-31,0 0 16,0 0-16,0 1 15,0 41-15,-43 1 16,1-1-16,-22 22 16,22-22-1,-21 22-15,20-43 16,-20 22-16,20 21 16,-41 20-16,20-41 15,22-22-15,-43 43 16,22-43-16,-22 22 15,22-22-15,-43 22 16,0-1-16,21 0 16,22-20-16,-22 63 15,22-64-15,-1 0 16,-42 43-16,43-43 16,-22 43-16,-21 0 15,22-43-15,-1 43 16,22-64-16,-22 42 15,21-20-15,-20 63 16,41-106-16,-41 84 16,20-63-16,1 43 15,-22-22-15,0 1 16,43-1-16,-43 21 16,22-20-16,20-1 15,-62 22-15,20-22 16,-42 42-16,-21 22 15,63-63 1,-84 20-16,63 22 16,0-22-16,0-20 15,1 41-15,83-63 16,-41-21-16,-1 64 16,22-43-16,-21 22 15,20-1-15,1 0 16,-22-21-16,22 0 15,-21 22-15,20 20 16,1-41-16,-22 62 16,1-42-16,21 1 15,-22-1-15,0 1 16,22-1 0,0-21-1,21-21-15,0 21 16,21 0-16,-22-21 15,1 21 1,0-21 0,0 43-1,0-43-15,-1 21 16,44 0 187,62 43-187,-41-22-16,41 43 15,43 21-15,0 20 16,-21-20-16,63 21 16,-41 43-16,-2-43 15,2 0-15,83 63 16,-84-63-16,21 21 15,22 43-15,-22-64 16,-85 0 0,43 0-16,-21-21 15,21 42-15,-43-21 16,1 0-16,-43-43 16,63 22-16,-41-42 15,20 63-15,1-21 16,20 21-16,-41 0 15,20-43-15,-20 1 16,41 21-16,-63-43 16,85 43-16,-84-42 15,41 41-15,-42-62 16,43 63-16,-22-22 16,-21 1-16,43 21 15,-43-85-15,21 106 16,0-106-16,-20 22 15,-22-22-15,21-21 16,0 63-16,-21-42 16,21 0-1,-21 1-15,21-1 32,-21 0 46,-21 0 47,-21-21-110,-64 0-15,0 0 16,0 0-16,-105 0 16,41-21-16,-20-21 15,-22 20-15,-21-20 16,64 21-16,-21-21 15,41 42-15,-20-43 16,-21 43-16,41-21 16,1 21-16,-63-21 15,62-21-15,-41-1 16,-22 22 0,106 0-16,-42-21 15,0-1-15,21 43 16,63-21-16,-84 21 15,21-21-15,-42-21 16,21 20-16,0 22 16,-43-63-16,43 21 15,-43-22-15,1 43 16,-22-64-16,64 64 16,-64 0-16,64 21 15,0-63-15,-42 41 16,84 22-16,-42-21 15,21 0-15,-22-64 16,-20 85-16,-21-21 16,84 0-16,-127-64 15,64 64-15,42 0 16,-21-43-16,-1 22 16,22 21-16,21-42 15,-84-1-15,63 0 16,-21 22-16,21 21 15,21-21-15,21 21 16,22-1-16,-43 1 16,21-21-1,-42-1-15,21 22 16,-84-42-16,105 42 16,-126-43-16,63 22 15,-85-22-15,63 43 16,-63-63-16,64 62 15,21-20-15,21 0 16,42 20-16,1 1 16,20 21-16,1-21 15,-1-42-15,-20 63 16,-22-21-16,42 21 16,1 0-16,-86-64 15,86 64-15,0 0 16,20-21-16,-20 21 15,41 0-15,1 0 16,-63 0-16,41 0 31,43-21-31,-21 21 282,0 0-267,0 21-15,0 0 16,-22 21-16,1 1 15,21-22-15,0 0 16,-43 21-16,22-21 16,-43 43-16,22-22 15,-1 1-15,-21 20 16,1-42 0,-1 43-16,-42-1 15,42 1-15,1-22 16,-22 22-16,0-1 15,-21 1-15,43-22 16,-22 21-16,-42 43 16,84-63-16,-42 41 15,43-63-15,-86 64 16,65-42-16,-43 20 16,0 22-16,0-22 15,-21 43-15,21-21 16,-64-1-16,106-41 15,-20 41-15,41-63 16,-63 64-16,43-64 16,-65 22-16,65-1 15,-22 0-15,0 43 16,-21-64-16,0 22 16,42-1-16,-21 0 15,22 0-15,-22 43 16,-21-21-16,21-43 15,-42 63-15,63-62 16,1 20-16,-86 0 16,22 22-16,85-43 15,-64 42 1,63-41-16,-42-1 16,43 42-16,-22-41 15,1-1-15,-44 42 16,23 1-16,20-22 15,-42 0-15,0 22 16,21-64-16,-21 63 16,64-63-16,-1 21 15,-20-21-15,-22 22 16,42-1-16,43-21 16,-21 0-1,-1 21-15,22-21 16,-42 21-1,-1-21 1,43 0-16,0 0 16,-21 21-16,20 1 15,-84-22-15,85 0 16,0 0-16,0 0 16,-64 21-16,22 0 15,20-21-15,22 0 16,-21 42-16,21-42 15,0 0 1,-43 0-16,1 21 16,41-21-1,-20 0-15,21 0 16,0 0-16,0 0 16,0 0 62,-1 0-63,1 0 1,0 0 78,0-21-79,21-42-15,42-1 16,1 22 0,20-43-16,-21 22 0,1-22 15,-1 21 1,85-84-16,-21-21 15,21 21-15,-21 21 16,-43 0-16,43-64 16,-21 22-16,-22 84 15,22 1-15,-22-22 16,1 21-16,-22-42 16,43 43-16,21-86 15,-64 128-15,-21 0 16,64-86-16,-85 65 15,63-43-15,-42 85 16,64-106-16,-64 64 16,1 20-1,20-42-15,0 64 16,-21-42-16,0-1 16,22 22-16,-22-43 15,21 64-15,1-63 16,-22 20-16,21 22 15,0-43-15,1 22 16,-22 20-16,21-42 16,1 22-1,-1 0-15,-21-22 16,43 21-16,-43 1 16,42-43-16,-20 42 15,-22 22-15,42-64 16,43-21-16,-63 43 15,62-43-15,-62 42 16,20-42-16,-20 85 16,-1-43-16,-21 64 15,0-21-15,-21 20 16,106-84-16,-85 64 16,0 0-1,1 42-15,-1-64 16,-21 22-16,42 21 15,-42 0 1,21-1-16,-42 22 141,-42 0-126,-22 0-15,64 0 16,-64 22-16,-21-22 16,21 0-16,-20 0 15,84 0-15,-64 0 16,21 0-16,43 0 15,-21 0-15,0 0 16,-1 0-16,1-22 16,-1 1-16,1 21 15,21 0-15,-42-21 16,20-21-16,-20 21 16,-1 21-16,1-21 15,63-1-15,-64 1 16,43 21-16,0-21 15,-43 0-15,43 0 16,-42 21-16,20-22 16,43 1-16,-42 0 15,0 0 1,20 0 0,-20 0-16,21-1 15,0 22 1,0-21-16,-22 21 15,22-42-15,-42 42 16,20 0-16,22 0 16,-42-21-16,42 21 15,-22-21 1,22 21-16,-21-43 16,20 43-1,1 0-15,0 0 16,-21 0-16,0-21 15,20 21 1,1 0 0,0 0 187,0-21-172</inkml:trace>
-  <inkml:trace contextRef="#ctx0" brushRef="#br0" timeOffset="4236">6139 11578 0,'21'0'16,"-21"21"-16,21-21 0,0 0 16,-21 21-16,21-21 15,-21 21-15,22-21 16,-44 0 46,1 0-62,-21 0 16,21 21-16,-22 1 16,1-1-16,0 0 0,-1 0 15,22 0-15,-21 1 0,21-1 16,-1 0-16,22 0 16,0 0-16,22 0 15,-1 0-15,21-21 16,1 22-16,-1-1 0,21-21 15,-20 21-15,20 0 0,-20 0 16,-1 1-16,0-1 16,-21 0-16,0 0 0,-21 0 15,0 0-15,-21 0 16,-21 1-16,0 20 0,-22-21 16,1 0-16,-1 1 0,1-1 15,-1-21-15,22 21 16,-1-21-16,22 0 0,0-21 15,21 0-15,0-1 16</inkml:trace>
-  <inkml:trace contextRef="#ctx0" brushRef="#br0" timeOffset="4673">6520 11747 0,'-43'0'0,"22"0"0,-21 21 15,21-21-15,-1 0 16,1 0-16,0 0 0,21-21 16,21 21-1,22-21-15,-1 21 0,0-21 16,22 21-16,-1-21 15,1-1-15,-1 1 0,-20 0 16,-1 21-16,-21-21 0,0 21 16,-21-21-16,-21 21 15,0 0-15,-21 0 16,21 0-16,-22 0 0,1 21 16,-1-21-16,1 21 15,21 0-15,0 0 0,0 22 16,21-22-16,0 43 15,0-22-15,21 0 0,0 22 16,0-1-16,0-20 0,0 20 16,1-21-16,-22 1 15,21-1-15,0 0 0,-21-20 16,21-1-16</inkml:trace>
-  <inkml:trace contextRef="#ctx0" brushRef="#br0" timeOffset="5144">7028 11789 0,'0'22'31,"0"-1"-15,0 0-16,0 0 15,0 0-15,0 22 0,0-22 16,0 0-16,0 21 16,0-21-16,0 1 0,0-1 15,0 0-15,0 0 16,0 0-16,21-42 31,-21 0-31,0-21 16,21 20-16,-21-41 0,0 21 15,21-22-15,-21 22 16,21-22-16,1 1 0,-22-1 16,42 22-16,-21 0 0,0-1 15,0 22-15,0 21 16,1 0-16,-1 21 0,0 22 16,0-1-16,0 0 15,-21 22-15,22-22 0,-22 0 16,0 22-16,0-22 0,21 1 15,-21-1-15,0 0 16,0 1-16,0-22 0,0 0 16,-21-21-1</inkml:trace>
-  <inkml:trace contextRef="#ctx0" brushRef="#br0" timeOffset="5844">7049 11916 0,'-42'0'0,"20"0"0,1 0 16,0 0-16,21-21 16,42 0-1,-20 21-15,20-21 16,0 0-16,0 21 16,1-21-16,20-22 0,-20 22 15,20 0-15,-21 0 0,1 0 16,-22-1-16,21 1 15,-20 21-15,-1-21 0,0 0 16,0 21 31,-21 21-31,0 0-16,0 0 15,0 22-15,0-22 0,0 21 16,0 1-16,0-22 15,0 21-15,0 0 0,21-20 16,-21 20-16,0-21 16,0 0-16,21-21 0,-21 22 15,0-44 1,0 1-16,0 0 16,0 0-16,0 0 0,-21-22 15,21 1-15,0-21 16,0-1-16,0 22 0,0-22 15,21 1-15,-21 20 0,21 1 16,1 0-16,-1-1 16,0 22-16,21 21 0,1 0 15,-22 0-15,21 0 16,-21 21-16,0 0 0,1 1 16,-22 20-16,0 0 15,-22-20-15,-41 62 16,21-63-16,-22 22 0,22-22 15,-1 0-15,1-21 16,21 21-16,0 0 0,0-21 16,21 22-16,21-22 15,0 21-15,0 0 16,0-21-16,22 21 0,-22 0 16,0 21-16,0-20 15,0-1-15,1 0 0,-22 0 16,0 0-16</inkml:trace>
-  <inkml:trace contextRef="#ctx0" brushRef="#br0" timeOffset="7389">8742 11303 0,'21'-21'16,"-21"-1"-16,0 1 0,0 0 16,-21 0-16,0 21 0,-21 0 15,21 0-15,-1 0 16,-20 0-16,0 21 0,-1 0 16,22 0-16,-21 22 0,21-22 15,0 0-15,-1 21 16,22-21-16,0 22 0,0-22 15,0 21-15,22-20 16,-1-1-16,21 0 0,-21 0 16,21 0-16,22 0 0,-22 0 15,1-21-15,-1 22 16,0-1-16,-21 0 0,-21 0 16,-21 0-16,-21 1 15,0-1-15,-22 21 0,1-21 16,-1 0-16,1 0 0,-1 1 15,1-22-15,20 21 16,22-21-16,21-21 16,21-1-16</inkml:trace>
-  <inkml:trace contextRef="#ctx0" brushRef="#br0" timeOffset="7631">8869 11620 0,'64'-42'0,"-22"21"15,-21-1-15,22 1 0,-22 0 16,-21 0-16,0 0 0,-21 21 16,-1 0-16,1 0 15,0 21-15,0-21 0,-22 21 16,22 0-16,0 0 16,0 22-16,0-22 0,21 21 15,0-20-15,0 20 0,0-21 16,21 0-16,0 0 15,0 0-15,22 1 0,-22-22 16,21 0-16,1 0 16,-1 0-16</inkml:trace>
-  <inkml:trace contextRef="#ctx0" brushRef="#br0" timeOffset="8010">9271 11345 0,'0'-64'0,"-21"22"16,21 0-16,-21 21 15,21 0-15,0-1 0,-21 22 16,21 22 0,0-1-16,0 21 0,0 0 15,0 1-15,21-1 0,-21 0 16,0 22-16,21-22 16,0 0-16,-21 1 0,21-1 15,1-21-15,-1 1 16,-21-1-16,21 0 0,0-21 15,-21-21-15,0 0 16,21-1-16,-21 1 16,0-21-16,22 21 0,-22-22 15,0 1-15,21 21 16,-21 0-16,21 0 0,0 21 16,0 0-16,0 0 15,-21 21-15,21 21 16,1-21-16,-22 21 0,0-20 15,21 20-15,-21-21 16,21 0-16,-21 1 0,0-1 16,0 0-16</inkml:trace>
-  <inkml:trace contextRef="#ctx0" brushRef="#br0" timeOffset="8341">9716 11578 0,'21'0'0,"-21"-21"16,0 0-1,21 21 1,-21-22 0,21 22-16,1-21 15,-1 0-15,0 0 16,0 0-16,-21-1 0,21 1 16,0 0-16,-21 0 15,0 0-15,0 0 0,-21 21 16,0-21-16,0 21 0,-21-22 15,20 22-15,1 0 16,-21 22-16,21-1 0,-1 0 16,1 0-16,0 21 15,21-21-15,0 22 0,0-1 16,21-21-16,-21 22 0,21-22 16,1 0-16,20 0 15,-21 0-15,22-21 0,-22 0 16,21 0-16</inkml:trace>
-  <inkml:trace contextRef="#ctx0" brushRef="#br0" timeOffset="9312">10097 11281 0,'-21'-21'15,"0"0"1,-1 21-16,22-21 0,0 42 31,22 0-15,-22 0-16,0 1 0,0 20 15,0-21-15,21 22 0,-21-22 16,0 0-16,0 21 16,0-21-16,0 0 15,0-42 1,21 0-1,-21 0-15,0 0 0,21-21 16,-21 20-16,0-20 16,21 0-16,-21 20 0,21-20 15,-21 21-15,21 0 16,1 21-16,-1 0 16,-21 21-16,21 21 15,-21-21-15,0 22 16,21-22-16,-21 21 0,0-20 15,0-1-15,0 0 16,21 0-16,1-21 31,-22-21-31,0 0 16,21 0-16,0-1 0,-21-20 16,21 21-16,0 0 15,0 21-15,0-22 0,22 44 31,-43-1-31,21-21 0,-21 21 16,0 21-16,21-20 0,-21-1 16,21 0-1,1 0-15,-1-21 16,0-21-16,0 21 0,0-21 16,21 0-16,-20-1 15,-1 1-15,0 0 0,0-21 16,0 20-16,-21-20 15,22 21-15,-22 0 0,21-21 16,-21 20-16,0 1 0,0 0 16,-21 0-1,-1 21-15,1 0 16,0 0-16,0 0 16,0 21-16,-1-21 0,1 21 15,0 22-15,0-22 0,21 0 16,-21 0-16,21 0 15,0 21-15,21-20 16,-21-1-16,21-21 16,0 0-16,0 0 0,1 0 15,-1 0-15,0-21 0,0-1 16,0 22-16,-21-42 16,22 21-16,-22 0 0,0 0 15,21 0-15,-21-1 0,0 1 16,0 0-16,0 42 31,0 22-15,21-22-16,-21 0 0,21 21 15,0 0-15,0-20 0,0-1 16,1 0-16,20-21 16,-21 0-16,0 0 0</inkml:trace>
-  <inkml:trace contextRef="#ctx0" brushRef="#br0" timeOffset="11046">7176 12763 0,'-21'0'0,"21"21"16,0 0-16,-21 1 15,21-1-15,0 21 16,0-21-16,0 22 0,21 20 15,-21-21-15,21 1 16,0 20-16,0-20 0,-21-1 16,21-21-16,0 21 0,-21-20 15,0-1-15,22-21 16</inkml:trace>
-  <inkml:trace contextRef="#ctx0" brushRef="#br0" timeOffset="11226">7028 13017 0,'0'-42'0,"-22"21"16,22-22-16,0 1 0,22 21 15,-22-21-15,21 20 16,0 1-16,0 0 0,0 0 16,22 21-16,-22-21 15,21-1-15,0 22 0,-20 0 16,-1 0-16,0 0 0,0 0 15</inkml:trace>
-  <inkml:trace contextRef="#ctx0" brushRef="#br0" timeOffset="11418">7112 13038 0,'0'21'0,"-21"1"0,0-22 15,21 21-15,21-21 31,0 0-31,1 0 16,20-21-16,-21 21 0,21-22 16,-21 1-16,22 21 15,-22 0-15,0-21 0,0 21 16,1 0-16</inkml:trace>
-  <inkml:trace contextRef="#ctx0" brushRef="#br0" timeOffset="11849">7832 12975 0,'-21'0'15,"0"0"-15,-1 0 16,44-21 0,-1 21-1,21-21 1,-21 21-16,22-22 0,-1 1 16,-21 21-16,21-21 15,1 21-15,-22-21 0,0 21 16,0-21-16</inkml:trace>
-  <inkml:trace contextRef="#ctx0" brushRef="#br0" timeOffset="12061">7896 12721 0,'-22'-21'0,"22"42"46,22 0-46,-22 0 16,21 0-16,0 1 0,-21-1 16,21 21-16,0 0 15,0 1-15,0-22 0,-21 21 16,22-21-16,-1 22 16,-21-22-16,21 0 0</inkml:trace>
-  <inkml:trace contextRef="#ctx0" brushRef="#br0" timeOffset="12485">8763 12509 0,'0'-21'0,"-21"0"16,21 42 15,21 0-15,-21 0-16,0 0 0,21 1 16,-21 20-16,22 0 0,-1 1 15,-21-1-15,21 0 16,-21-21-16,21 22 0,0-22 15,-21 21-15</inkml:trace>
-  <inkml:trace contextRef="#ctx0" brushRef="#br0" timeOffset="12828">8488 12679 0,'-42'-22'0,"21"1"16,0 0-16,-1 0 0,22 0 16,0-1-16,0 1 15,22 21-15,20-21 0,0 21 16,0-21-16,1 21 0,20-21 16,1 21-16,-1 0 15,1-21-15,-1 21 0,1 21 16,-22-21-16,0 21 0,1 0 15,-22 0-15,0 0 16,0 22-16,-21-22 0,-21 21 16,0-20-16,0 20 15,0-21-15,-22 21 0,1-21 16,0 1-16,-1-1 0,22 0 16,-21 0-16,-1 0 15,22 1-15,0-1 0</inkml:trace>
-  <inkml:trace contextRef="#ctx0" brushRef="#br0" timeOffset="14274">6668 12742 0,'21'-21'0,"0"21"15,0-21-15,0 21 16,-21-22-1,-21 44 17,0-22-32,0 0 15,0 21-15,0-21 0,0 0 16,-1 0-16,22 21 16,-21-21-16,0 0 0,0 21 15,21 0 16,0 1 1,0-1-32,0 0 15,0 0-15,0 0 16,0 0-16,21-21 16,-21 21-16,21 1 0,0-1 15,1-21 1,-1 0-16,0 21 0,0-21 15,0 0-15,-21 21 16,21 0 0,-21 1-16,0-1 15,0 0 1,0 0-16,-21-21 16,21 21-16,0 0 62,21 0-46,0-21-1,1 0 1,-1 0-16,0 22 16,0-22-16,-21 21 31,-21 0-31,0 0 15,0-21-15,-1 21 16,1 1-16,0-22 0,0 21 16,0 0-16,0-21 15,21 21-15,0 0 16,0 0 0,21 0-16,0 1 15,0-1-15,-21 0 16,42 0-16,-20 0 0,-1 1 15,21-22-15,-21 21 16,1 0-16,20-21 0,-21 21 16,21-21-16,-21 0 15,1 0-15</inkml:trace>
-  <inkml:trace contextRef="#ctx0" brushRef="#br0" timeOffset="15264">9187 12213 0,'0'-21'0,"21"21"16,0 0 0,0 0-16,0 0 15,1 21-15,-1-21 16,21 0-16,-21 0 0,21 21 15,-20-21-15,20 0 16,-21 0-16,0 21 0,1 0 16,-22 1-1,-22-1 1,1-21-16,0 21 0,21 0 16,-21-21-16,0 21 15,-1 0-15,22 0 16,0 1-16,0-1 15,0 0-15,0 0 16,22-21-16,-22 21 16,21-21-1,0 0-15,0 0 16,0 0-16,22 0 0,-22 0 16,0 0-16,0 0 15,0 0-15,0 0 0,1 0 16,-44 0 15,1 0-31,0 22 16,0-22-16,0 21 15,0-21-15,21 21 0,0 0 16,0 0 0,21 0-16,0 0 0,0 22 15,0-22-15,0 0 16,1 0-16,-1 1 0,0-1 15,0 42-15,-21-42 16,-21-21-16,0 21 16,-22 1-16,1-1 0</inkml:trace>
+  <inkml:trace contextRef="#ctx0" brushRef="#br0">16210 16475 0,'53'0'94,"-35"0"-94,70 0 15,124 0 1,176 0 15,-230 0-15,142 0-16,18 53 16,-18-36-1,-53-17 1,17 0-1,1 0 1,35 0 15,-142 0-15,-105 0 0,0 0-1,0-17 1</inkml:trace>
+  <inkml:trace contextRef="#ctx0" brushRef="#br0" timeOffset="1118.935">22296 15575 0,'17'-18'78,"1"18"-78,105 0 16,1 0 0,105 0-16,106-52 31,-35 16-15,-194 1-1</inkml:trace>
+</inkml:ink>
+</file>
+
+<file path=ppt/ink/ink2.xml><?xml version="1.0" encoding="utf-8"?>
+<inkml:ink xmlns:inkml="http://www.w3.org/2003/InkML">
+  <inkml:definitions>
+    <inkml:context xml:id="ctx0">
+      <inkml:inkSource xml:id="inkSrc0">
+        <inkml:traceFormat>
+          <inkml:channel name="X" type="integer" max="1920" units="cm"/>
+          <inkml:channel name="Y" type="integer" max="1080" units="cm"/>
+          <inkml:channel name="T" type="integer" max="2.14748E9" units="dev"/>
+        </inkml:traceFormat>
+        <inkml:channelProperties>
+          <inkml:channelProperty channel="X" name="resolution" value="55.81395" units="1/cm"/>
+          <inkml:channelProperty channel="Y" name="resolution" value="55.6701" units="1/cm"/>
+          <inkml:channelProperty channel="T" name="resolution" value="1" units="1/dev"/>
+        </inkml:channelProperties>
+      </inkml:inkSource>
+      <inkml:timestamp xml:id="ts0" timeString="2022-03-14T07:48:33.703"/>
+    </inkml:context>
+    <inkml:brush xml:id="br0">
+      <inkml:brushProperty name="width" value="0.05292" units="cm"/>
+      <inkml:brushProperty name="height" value="0.05292" units="cm"/>
+      <inkml:brushProperty name="color" value="#FF0000"/>
+    </inkml:brush>
+  </inkml:definitions>
+  <inkml:trace contextRef="#ctx0" brushRef="#br0">3193 10248 0,'35'0'16,"0"0"-1,18 0-15,123 0 16,160 0-1,16 0 1,1 0 15,35 0-15,124 71 0,-124-18-1,-300-53 1,71-89 15,-89-52-15,-52 53-1,-18-35 1,18-1 0,-18 18-1,0 18 1,0-88-1,-71 17 1,-88 0 0,1 36 15,52 88-15,-53-71-1,-159 0 1,107 35-16,-530-70 31,300 106-15,282 35-16,-17 0 15,-318 0 1,388 18 0,-88 158-1,53 124 1,88-89 15,18-34-31,35 52 47,0-141-47,0 212 31,176-106-15,-52-88-16,-54-71 15,36 36 1,70 17 0,-34-35-1,334 0 32,-265-53-31,195 0-16,212-71 47,-548 36-47,-17-18 15,-35 0 1,-18 36 0,0-19 46</inkml:trace>
+  <inkml:trace contextRef="#ctx0" brushRef="#br0" timeOffset="916.348">6615 8237 0,'0'0'0,"0"-158"15,0-19-15,52 18 16,1-17-16,141-124 31,159-70-15,88 140-1,-264 160-15,70 35 16,564-159 0,-405 141-1,-71-35 1,-212 70 0,389-35-1,87 53 16,-369 35-15,281 159 0,265 159 15,-617-282-31,53-1 16,123 124-1,-106-17 1,159 193-1,-158 18 17,-107-106-17,-70-176 1,18 0-16,34 176 31,-34-123-15,-36-71-1,18-17 1,-35-36 15,-18-17 32</inkml:trace>
+  <inkml:trace contextRef="#ctx0" brushRef="#br0" timeOffset="1569.084">14005 9013 0,'0'-17'16,"53"17"62,0 0-63,18 35-15,70 18 32,-88-53-32,17 35 15,-17-17 1,-35-18-1,-1 0 1,72-18 15,-1-123-15,71-88 0,-142 123-1,54-106 16,-54 195-15</inkml:trace>
+  <inkml:trace contextRef="#ctx0" brushRef="#br0" timeOffset="6168.569">13494 12100 0,'17'0'47,"1"0"-47,53 0 15,34 0 1,142 0-1,141 0 17,-176 18-17,-88 0 1,-36-18 15,-71 0-31,1 0 16,0 0-1,17 0 17</inkml:trace>
+  <inkml:trace contextRef="#ctx0" brushRef="#br0" timeOffset="6864.549">15928 11977 0,'53'0'78,"0"0"-78,53 17 0,-18 1 15,88 17 1,-105-35 0,-54 0-1</inkml:trace>
+  <inkml:trace contextRef="#ctx0" brushRef="#br0" timeOffset="7421.684">17551 12083 0,'17'0'47,"1"0"-31,35 0-1,-18 0 1,36 0-16,87 0 16,-87 0-1,-36 0 1</inkml:trace>
+  <inkml:trace contextRef="#ctx0" brushRef="#br0" timeOffset="10596.949">14711 10566 0,'0'0'16,"17"-53"-1,1 0 1,-18 35-16,18-35 16,52-123-1,18-71 1,283-423 31,17-36-32,-229 459-15,317-353 16,-17 18 0,70 18-1,35 88 1,-70 105 0,0 71-1,264-52 16,-299 246-15,-36-18 0,-105 124-1,17 0 1,35 71 0,54 105-1,-36-17 1,0 53-1,53 140 17,-212-158-17,-105-88 1,387 194 0,-370-212-1,124 71 1,-124-53-1,-53-35 1,-17 34 0,87 72-1,-69-89 17,-54-18-32,35 1 15,-52-36 1,17 71-1,71 71 1,-70-125 0,158 231-1,-106-177 1,-18 52 15,-17-70-15,-18 1-1,54 34 17,-36-70-17,-53-18 1,0-17-16,17 35 16,-17-18-1,53 36 1,-35-36 15,17 71-15,-17-71-16,-18-17 31,0 17-15,0-17 15,17-1-16</inkml:trace>
+  <inkml:trace contextRef="#ctx0" brushRef="#br0" timeOffset="11403.705">25506 8978 0,'35'0'47,"18"53"-47,-18 0 31,-17-35-31,0-1 16,34 19 0,-16-19-16,17 18 15,35 18 1,-53-53 0,71 53 15,-71-53-16,18 0 1,-18-17 15,-35-19-15,36-52 0,17-18-1,17-17 1,1-36-1,-71 124-15,35-36 16,0 36 0,-17 0-1,17 17 17</inkml:trace>
+  <inkml:trace contextRef="#ctx0" brushRef="#br0" timeOffset="28939.312">3792 15663 0,'53'0'0,"-106"0"16,124 0-16,-1 18 16,72-18-1,157 0 1,1 35 15,35-35-15,-123 0-1,53 0 1,176 0 15,-53 0-15,-177-17-1,-87 17 1,-89 0 0,-17 0 46,35-18-62,-36-17 31,-17-1 1,0 19-32,-35-1 15,-53-105 1,70 34 0,18-87-1,0 17 1,0 36-1,71-89 17,-18 18-32,-53 35 31,0 1-15,0 105 15,0 35 0,-18 0-15,0 18 15,-17 0-15,-18 0-16,-17 0 15,-213 0 1,-634 0-1,370 0 1,248 0 0,140 0-1,124 18 17,-71 17-17,-71 18 1,-193-35-1,-195-18 17,495 0-32,-1 0 15,54 0 1,-1 0 15,18 53 16,0-36-47,35 178 31,-35-143-15,18 19-16,-18 88 16,18-1-1,35 19 1,-36-54-1,-17 195 1,0-230 0,35 0 15,-17-70-15,0 17-1,-1-17 1,1-18 15,35 35-31,-35-35 16,87 35-1,-16-17-15,34 17 32,-52-17-32,334 52 31,-105-70-16,141 0 17,-282 0-17,-89-17 1,-52 17-16,0 0 172,-18-18-157</inkml:trace>
 </inkml:ink>
 </file>
 
@@ -2995,7 +3014,7 @@
           <a:p>
             <a:fld id="{4AF2A06D-4991-4208-8C88-4E8BAD69A8B8}" type="datetimeFigureOut">
               <a:rPr lang="en-US" smtClean="0"/>
-              <a:t>11/16/2021</a:t>
+              <a:t>3/14/2022</a:t>
             </a:fld>
             <a:endParaRPr lang="en-US"/>
           </a:p>
@@ -3619,7 +3638,7 @@
           <a:p>
             <a:fld id="{E26E0DA5-0C76-4851-AA82-0B75261F9EB4}" type="datetimeFigureOut">
               <a:rPr lang="en-US" smtClean="0"/>
-              <a:t>11/16/2021</a:t>
+              <a:t>3/14/2022</a:t>
             </a:fld>
             <a:endParaRPr lang="en-US"/>
           </a:p>
@@ -3787,7 +3806,7 @@
           <a:p>
             <a:fld id="{E26E0DA5-0C76-4851-AA82-0B75261F9EB4}" type="datetimeFigureOut">
               <a:rPr lang="en-US" smtClean="0"/>
-              <a:t>11/16/2021</a:t>
+              <a:t>3/14/2022</a:t>
             </a:fld>
             <a:endParaRPr lang="en-US"/>
           </a:p>
@@ -3965,7 +3984,7 @@
           <a:p>
             <a:fld id="{E26E0DA5-0C76-4851-AA82-0B75261F9EB4}" type="datetimeFigureOut">
               <a:rPr lang="en-US" smtClean="0"/>
-              <a:t>11/16/2021</a:t>
+              <a:t>3/14/2022</a:t>
             </a:fld>
             <a:endParaRPr lang="en-US"/>
           </a:p>
@@ -4292,7 +4311,7 @@
             <a:fld id="{9578D6DB-6798-42D2-B9AD-FC6F1C72FC30}" type="datetimeFigureOut">
               <a:rPr lang="en-US" smtClean="0"/>
               <a:pPr/>
-              <a:t>11/16/2021</a:t>
+              <a:t>3/14/2022</a:t>
             </a:fld>
             <a:endParaRPr lang="en-US"/>
           </a:p>
@@ -4534,7 +4553,7 @@
             <a:fld id="{425404F2-BE9A-4460-8815-8F645183555F}" type="datetimeFigureOut">
               <a:rPr lang="en-US" smtClean="0"/>
               <a:pPr/>
-              <a:t>11/16/2021</a:t>
+              <a:t>3/14/2022</a:t>
             </a:fld>
             <a:endParaRPr lang="en-US"/>
           </a:p>
@@ -4662,7 +4681,7 @@
             <a:fld id="{425404F2-BE9A-4460-8815-8F645183555F}" type="datetimeFigureOut">
               <a:rPr lang="en-US" smtClean="0"/>
               <a:pPr/>
-              <a:t>11/16/2021</a:t>
+              <a:t>3/14/2022</a:t>
             </a:fld>
             <a:endParaRPr lang="en-US"/>
           </a:p>
@@ -4912,7 +4931,7 @@
             <a:fld id="{425404F2-BE9A-4460-8815-8F645183555F}" type="datetimeFigureOut">
               <a:rPr lang="en-US" smtClean="0"/>
               <a:pPr/>
-              <a:t>11/16/2021</a:t>
+              <a:t>3/14/2022</a:t>
             </a:fld>
             <a:endParaRPr lang="en-US"/>
           </a:p>
@@ -5082,7 +5101,7 @@
             <a:fld id="{425404F2-BE9A-4460-8815-8F645183555F}" type="datetimeFigureOut">
               <a:rPr lang="en-US" smtClean="0"/>
               <a:pPr/>
-              <a:t>11/16/2021</a:t>
+              <a:t>3/14/2022</a:t>
             </a:fld>
             <a:endParaRPr lang="en-US"/>
           </a:p>
@@ -5369,7 +5388,7 @@
             <a:fld id="{425404F2-BE9A-4460-8815-8F645183555F}" type="datetimeFigureOut">
               <a:rPr lang="en-US" smtClean="0"/>
               <a:pPr/>
-              <a:t>11/16/2021</a:t>
+              <a:t>3/14/2022</a:t>
             </a:fld>
             <a:endParaRPr lang="en-US"/>
           </a:p>
@@ -5790,7 +5809,7 @@
             <a:fld id="{425404F2-BE9A-4460-8815-8F645183555F}" type="datetimeFigureOut">
               <a:rPr lang="en-US" smtClean="0"/>
               <a:pPr/>
-              <a:t>11/16/2021</a:t>
+              <a:t>3/14/2022</a:t>
             </a:fld>
             <a:endParaRPr lang="en-US"/>
           </a:p>
@@ -5915,7 +5934,7 @@
             <a:fld id="{425404F2-BE9A-4460-8815-8F645183555F}" type="datetimeFigureOut">
               <a:rPr lang="en-US" smtClean="0"/>
               <a:pPr/>
-              <a:t>11/16/2021</a:t>
+              <a:t>3/14/2022</a:t>
             </a:fld>
             <a:endParaRPr lang="en-US"/>
           </a:p>
@@ -6141,7 +6160,7 @@
           <a:p>
             <a:fld id="{E26E0DA5-0C76-4851-AA82-0B75261F9EB4}" type="datetimeFigureOut">
               <a:rPr lang="en-US" smtClean="0"/>
-              <a:t>11/16/2021</a:t>
+              <a:t>3/14/2022</a:t>
             </a:fld>
             <a:endParaRPr lang="en-US"/>
           </a:p>
@@ -6265,7 +6284,7 @@
             <a:fld id="{425404F2-BE9A-4460-8815-8F645183555F}" type="datetimeFigureOut">
               <a:rPr lang="en-US" smtClean="0"/>
               <a:pPr/>
-              <a:t>11/16/2021</a:t>
+              <a:t>3/14/2022</a:t>
             </a:fld>
             <a:endParaRPr lang="en-US"/>
           </a:p>
@@ -6812,7 +6831,7 @@
             <a:fld id="{425404F2-BE9A-4460-8815-8F645183555F}" type="datetimeFigureOut">
               <a:rPr lang="en-US" smtClean="0"/>
               <a:pPr/>
-              <a:t>11/16/2021</a:t>
+              <a:t>3/14/2022</a:t>
             </a:fld>
             <a:endParaRPr lang="en-US"/>
           </a:p>
@@ -6960,7 +6979,7 @@
             <a:fld id="{425404F2-BE9A-4460-8815-8F645183555F}" type="datetimeFigureOut">
               <a:rPr lang="en-US" smtClean="0"/>
               <a:pPr/>
-              <a:t>11/16/2021</a:t>
+              <a:t>3/14/2022</a:t>
             </a:fld>
             <a:endParaRPr lang="en-US"/>
           </a:p>
@@ -7193,7 +7212,7 @@
             <a:fld id="{425404F2-BE9A-4460-8815-8F645183555F}" type="datetimeFigureOut">
               <a:rPr lang="en-US" smtClean="0"/>
               <a:pPr/>
-              <a:t>11/16/2021</a:t>
+              <a:t>3/14/2022</a:t>
             </a:fld>
             <a:endParaRPr lang="en-US"/>
           </a:p>
@@ -7431,7 +7450,7 @@
             <a:fld id="{425404F2-BE9A-4460-8815-8F645183555F}" type="datetimeFigureOut">
               <a:rPr lang="en-US" smtClean="0"/>
               <a:pPr/>
-              <a:t>11/16/2021</a:t>
+              <a:t>3/14/2022</a:t>
             </a:fld>
             <a:endParaRPr lang="en-US"/>
           </a:p>
@@ -7613,7 +7632,7 @@
             <a:fld id="{425404F2-BE9A-4460-8815-8F645183555F}" type="datetimeFigureOut">
               <a:rPr lang="en-US" smtClean="0"/>
               <a:pPr/>
-              <a:t>11/16/2021</a:t>
+              <a:t>3/14/2022</a:t>
             </a:fld>
             <a:endParaRPr lang="en-US"/>
           </a:p>
@@ -7890,7 +7909,7 @@
             <a:fld id="{425404F2-BE9A-4460-8815-8F645183555F}" type="datetimeFigureOut">
               <a:rPr lang="en-US" smtClean="0"/>
               <a:pPr/>
-              <a:t>11/16/2021</a:t>
+              <a:t>3/14/2022</a:t>
             </a:fld>
             <a:endParaRPr lang="en-US"/>
           </a:p>
@@ -8144,7 +8163,7 @@
             <a:fld id="{425404F2-BE9A-4460-8815-8F645183555F}" type="datetimeFigureOut">
               <a:rPr lang="en-US" smtClean="0"/>
               <a:pPr/>
-              <a:t>11/16/2021</a:t>
+              <a:t>3/14/2022</a:t>
             </a:fld>
             <a:endParaRPr lang="en-US"/>
           </a:p>
@@ -8314,7 +8333,7 @@
             <a:fld id="{425404F2-BE9A-4460-8815-8F645183555F}" type="datetimeFigureOut">
               <a:rPr lang="en-US" smtClean="0"/>
               <a:pPr/>
-              <a:t>11/16/2021</a:t>
+              <a:t>3/14/2022</a:t>
             </a:fld>
             <a:endParaRPr lang="en-US"/>
           </a:p>
@@ -8494,7 +8513,7 @@
             <a:fld id="{425404F2-BE9A-4460-8815-8F645183555F}" type="datetimeFigureOut">
               <a:rPr lang="en-US" smtClean="0"/>
               <a:pPr/>
-              <a:t>11/16/2021</a:t>
+              <a:t>3/14/2022</a:t>
             </a:fld>
             <a:endParaRPr lang="en-US"/>
           </a:p>
@@ -8740,7 +8759,7 @@
           <a:p>
             <a:fld id="{E26E0DA5-0C76-4851-AA82-0B75261F9EB4}" type="datetimeFigureOut">
               <a:rPr lang="en-US" smtClean="0"/>
-              <a:t>11/16/2021</a:t>
+              <a:t>3/14/2022</a:t>
             </a:fld>
             <a:endParaRPr lang="en-US"/>
           </a:p>
@@ -8969,7 +8988,7 @@
           <a:p>
             <a:fld id="{E26E0DA5-0C76-4851-AA82-0B75261F9EB4}" type="datetimeFigureOut">
               <a:rPr lang="en-US" smtClean="0"/>
-              <a:t>11/16/2021</a:t>
+              <a:t>3/14/2022</a:t>
             </a:fld>
             <a:endParaRPr lang="en-US"/>
           </a:p>
@@ -9333,7 +9352,7 @@
           <a:p>
             <a:fld id="{E26E0DA5-0C76-4851-AA82-0B75261F9EB4}" type="datetimeFigureOut">
               <a:rPr lang="en-US" smtClean="0"/>
-              <a:t>11/16/2021</a:t>
+              <a:t>3/14/2022</a:t>
             </a:fld>
             <a:endParaRPr lang="en-US"/>
           </a:p>
@@ -9450,7 +9469,7 @@
           <a:p>
             <a:fld id="{E26E0DA5-0C76-4851-AA82-0B75261F9EB4}" type="datetimeFigureOut">
               <a:rPr lang="en-US" smtClean="0"/>
-              <a:t>11/16/2021</a:t>
+              <a:t>3/14/2022</a:t>
             </a:fld>
             <a:endParaRPr lang="en-US"/>
           </a:p>
@@ -9545,7 +9564,7 @@
           <a:p>
             <a:fld id="{E26E0DA5-0C76-4851-AA82-0B75261F9EB4}" type="datetimeFigureOut">
               <a:rPr lang="en-US" smtClean="0"/>
-              <a:t>11/16/2021</a:t>
+              <a:t>3/14/2022</a:t>
             </a:fld>
             <a:endParaRPr lang="en-US"/>
           </a:p>
@@ -9820,7 +9839,7 @@
           <a:p>
             <a:fld id="{E26E0DA5-0C76-4851-AA82-0B75261F9EB4}" type="datetimeFigureOut">
               <a:rPr lang="en-US" smtClean="0"/>
-              <a:t>11/16/2021</a:t>
+              <a:t>3/14/2022</a:t>
             </a:fld>
             <a:endParaRPr lang="en-US"/>
           </a:p>
@@ -10072,7 +10091,7 @@
           <a:p>
             <a:fld id="{E26E0DA5-0C76-4851-AA82-0B75261F9EB4}" type="datetimeFigureOut">
               <a:rPr lang="en-US" smtClean="0"/>
-              <a:t>11/16/2021</a:t>
+              <a:t>3/14/2022</a:t>
             </a:fld>
             <a:endParaRPr lang="en-US"/>
           </a:p>
@@ -10283,7 +10302,7 @@
           <a:p>
             <a:fld id="{E26E0DA5-0C76-4851-AA82-0B75261F9EB4}" type="datetimeFigureOut">
               <a:rPr lang="en-US" smtClean="0"/>
-              <a:t>11/16/2021</a:t>
+              <a:t>3/14/2022</a:t>
             </a:fld>
             <a:endParaRPr lang="en-US"/>
           </a:p>
@@ -10840,7 +10859,7 @@
             <a:fld id="{425404F2-BE9A-4460-8815-8F645183555F}" type="datetimeFigureOut">
               <a:rPr lang="en-US" smtClean="0"/>
               <a:pPr/>
-              <a:t>11/16/2021</a:t>
+              <a:t>3/14/2022</a:t>
             </a:fld>
             <a:endParaRPr lang="en-US"/>
           </a:p>
@@ -16136,57 +16155,6 @@
           </a:p>
         </p:txBody>
       </p:sp>
-      <mc:AlternateContent xmlns:mc="http://schemas.openxmlformats.org/markup-compatibility/2006">
-        <mc:Choice xmlns:p14="http://schemas.microsoft.com/office/powerpoint/2010/main" Requires="p14">
-          <p:contentPart p14:bwMode="auto" r:id="rId3">
-            <p14:nvContentPartPr>
-              <p14:cNvPr id="114" name="Ink 113">
-                <a:extLst>
-                  <a:ext uri="{FF2B5EF4-FFF2-40B4-BE49-F238E27FC236}">
-                    <a16:creationId xmlns:a16="http://schemas.microsoft.com/office/drawing/2014/main" id="{2AC09972-823D-431E-B18A-1B8718D85BDC}"/>
-                  </a:ext>
-                </a:extLst>
-              </p14:cNvPr>
-              <p14:cNvContentPartPr/>
-              <p14:nvPr/>
-            </p14:nvContentPartPr>
-            <p14:xfrm>
-              <a:off x="2400180" y="1295520"/>
-              <a:ext cx="8245440" cy="4908240"/>
-            </p14:xfrm>
-          </p:contentPart>
-        </mc:Choice>
-        <mc:Fallback>
-          <p:pic>
-            <p:nvPicPr>
-              <p:cNvPr id="114" name="Ink 113">
-                <a:extLst>
-                  <a:ext uri="{FF2B5EF4-FFF2-40B4-BE49-F238E27FC236}">
-                    <a16:creationId xmlns:a16="http://schemas.microsoft.com/office/drawing/2014/main" id="{2AC09972-823D-431E-B18A-1B8718D85BDC}"/>
-                  </a:ext>
-                </a:extLst>
-              </p:cNvPr>
-              <p:cNvPicPr/>
-              <p:nvPr/>
-            </p:nvPicPr>
-            <p:blipFill>
-              <a:blip r:embed="rId4"/>
-              <a:stretch>
-                <a:fillRect/>
-              </a:stretch>
-            </p:blipFill>
-            <p:spPr>
-              <a:xfrm>
-                <a:off x="2391180" y="1286520"/>
-                <a:ext cx="8263080" cy="4925880"/>
-              </a:xfrm>
-              <a:prstGeom prst="rect">
-                <a:avLst/>
-              </a:prstGeom>
-            </p:spPr>
-          </p:pic>
-        </mc:Fallback>
-      </mc:AlternateContent>
     </p:spTree>
     <p:extLst>
       <p:ext uri="{BB962C8B-B14F-4D97-AF65-F5344CB8AC3E}">
@@ -18511,6 +18479,57 @@
           </a:p>
         </p:txBody>
       </p:sp>
+      <mc:AlternateContent xmlns:mc="http://schemas.openxmlformats.org/markup-compatibility/2006">
+        <mc:Choice xmlns:p14="http://schemas.microsoft.com/office/powerpoint/2010/main" Requires="p14">
+          <p:contentPart p14:bwMode="auto" r:id="rId3">
+            <p14:nvContentPartPr>
+              <p14:cNvPr id="8" name="Ink 7">
+                <a:extLst>
+                  <a:ext uri="{FF2B5EF4-FFF2-40B4-BE49-F238E27FC236}">
+                    <a16:creationId xmlns:a16="http://schemas.microsoft.com/office/drawing/2014/main" id="{1FC7AEE0-6C5A-47FA-894E-17DD197B8217}"/>
+                  </a:ext>
+                </a:extLst>
+              </p14:cNvPr>
+              <p14:cNvContentPartPr/>
+              <p14:nvPr/>
+            </p14:nvContentPartPr>
+            <p14:xfrm>
+              <a:off x="5835600" y="5556240"/>
+              <a:ext cx="2642040" cy="400320"/>
+            </p14:xfrm>
+          </p:contentPart>
+        </mc:Choice>
+        <mc:Fallback>
+          <p:pic>
+            <p:nvPicPr>
+              <p:cNvPr id="8" name="Ink 7">
+                <a:extLst>
+                  <a:ext uri="{FF2B5EF4-FFF2-40B4-BE49-F238E27FC236}">
+                    <a16:creationId xmlns:a16="http://schemas.microsoft.com/office/drawing/2014/main" id="{1FC7AEE0-6C5A-47FA-894E-17DD197B8217}"/>
+                  </a:ext>
+                </a:extLst>
+              </p:cNvPr>
+              <p:cNvPicPr/>
+              <p:nvPr/>
+            </p:nvPicPr>
+            <p:blipFill>
+              <a:blip r:embed="rId4"/>
+              <a:stretch>
+                <a:fillRect/>
+              </a:stretch>
+            </p:blipFill>
+            <p:spPr>
+              <a:xfrm>
+                <a:off x="5826240" y="5546880"/>
+                <a:ext cx="2660760" cy="419040"/>
+              </a:xfrm>
+              <a:prstGeom prst="rect">
+                <a:avLst/>
+              </a:prstGeom>
+            </p:spPr>
+          </p:pic>
+        </mc:Fallback>
+      </mc:AlternateContent>
     </p:spTree>
     <p:extLst>
       <p:ext uri="{BB962C8B-B14F-4D97-AF65-F5344CB8AC3E}">
@@ -19909,6 +19928,57 @@
           </a:fontRef>
         </p:style>
       </p:cxnSp>
+      <mc:AlternateContent xmlns:mc="http://schemas.openxmlformats.org/markup-compatibility/2006">
+        <mc:Choice xmlns:p14="http://schemas.microsoft.com/office/powerpoint/2010/main" Requires="p14">
+          <p:contentPart p14:bwMode="auto" r:id="rId3">
+            <p14:nvContentPartPr>
+              <p14:cNvPr id="10" name="Ink 9">
+                <a:extLst>
+                  <a:ext uri="{FF2B5EF4-FFF2-40B4-BE49-F238E27FC236}">
+                    <a16:creationId xmlns:a16="http://schemas.microsoft.com/office/drawing/2014/main" id="{50F7ED0D-CC32-4CAB-8D9E-722BE1BA8270}"/>
+                  </a:ext>
+                </a:extLst>
+              </p14:cNvPr>
+              <p14:cNvContentPartPr/>
+              <p14:nvPr/>
+            </p14:nvContentPartPr>
+            <p14:xfrm>
+              <a:off x="882720" y="1752480"/>
+              <a:ext cx="8661600" cy="4007160"/>
+            </p14:xfrm>
+          </p:contentPart>
+        </mc:Choice>
+        <mc:Fallback>
+          <p:pic>
+            <p:nvPicPr>
+              <p:cNvPr id="10" name="Ink 9">
+                <a:extLst>
+                  <a:ext uri="{FF2B5EF4-FFF2-40B4-BE49-F238E27FC236}">
+                    <a16:creationId xmlns:a16="http://schemas.microsoft.com/office/drawing/2014/main" id="{50F7ED0D-CC32-4CAB-8D9E-722BE1BA8270}"/>
+                  </a:ext>
+                </a:extLst>
+              </p:cNvPr>
+              <p:cNvPicPr/>
+              <p:nvPr/>
+            </p:nvPicPr>
+            <p:blipFill>
+              <a:blip r:embed="rId4"/>
+              <a:stretch>
+                <a:fillRect/>
+              </a:stretch>
+            </p:blipFill>
+            <p:spPr>
+              <a:xfrm>
+                <a:off x="873360" y="1743120"/>
+                <a:ext cx="8680320" cy="4025880"/>
+              </a:xfrm>
+              <a:prstGeom prst="rect">
+                <a:avLst/>
+              </a:prstGeom>
+            </p:spPr>
+          </p:pic>
+        </mc:Fallback>
+      </mc:AlternateContent>
     </p:spTree>
     <p:extLst>
       <p:ext uri="{BB962C8B-B14F-4D97-AF65-F5344CB8AC3E}">
